--- a/Resources/Lab One.pptx
+++ b/Resources/Lab One.pptx
@@ -2,11 +2,11 @@
 <file path=ppt/presentation.xml><?xml version="1.0" encoding="utf-8"?>
 <p:presentation xmlns:a="http://schemas.openxmlformats.org/drawingml/2006/main" xmlns:r="http://schemas.openxmlformats.org/officeDocument/2006/relationships" xmlns:p="http://schemas.openxmlformats.org/presentationml/2006/main" saveSubsetFonts="1">
   <p:sldMasterIdLst>
-    <p:sldMasterId id="2147483648" r:id="rId9"/>
+    <p:sldMasterId id="2147483648" r:id="rId5"/>
   </p:sldMasterIdLst>
   <p:sldIdLst>
-    <p:sldId id="256" r:id="rId10"/>
-    <p:sldId id="257" r:id="rId11"/>
+    <p:sldId id="257" r:id="rId6"/>
+    <p:sldId id="256" r:id="rId7"/>
   </p:sldIdLst>
   <p:sldSz cx="12192000" cy="6858000"/>
   <p:notesSz cx="6858000" cy="9144000"/>
@@ -105,6 +105,11 @@
       </a:defRPr>
     </a:lvl9pPr>
   </p:defaultTextStyle>
+  <p:extLst>
+    <p:ext uri="{EFAFB233-063F-42B5-8137-9DF3F51BA10A}">
+      <p15:sldGuideLst xmlns:p15="http://schemas.microsoft.com/office/powerpoint/2012/main"/>
+    </p:ext>
+  </p:extLst>
 </p:presentation>
 </file>
 
@@ -239,7 +244,7 @@
           <a:p>
             <a:fld id="{DD4D6C24-C5FE-4E1B-BD59-08DAC2D82EED}" type="datetimeFigureOut">
               <a:rPr lang="en-US" smtClean="0"/>
-              <a:t>1/5/2015</a:t>
+              <a:t>1/6/2015</a:t>
             </a:fld>
             <a:endParaRPr lang="en-US"/>
           </a:p>
@@ -409,7 +414,7 @@
           <a:p>
             <a:fld id="{DD4D6C24-C5FE-4E1B-BD59-08DAC2D82EED}" type="datetimeFigureOut">
               <a:rPr lang="en-US" smtClean="0"/>
-              <a:t>1/5/2015</a:t>
+              <a:t>1/6/2015</a:t>
             </a:fld>
             <a:endParaRPr lang="en-US"/>
           </a:p>
@@ -589,7 +594,7 @@
           <a:p>
             <a:fld id="{DD4D6C24-C5FE-4E1B-BD59-08DAC2D82EED}" type="datetimeFigureOut">
               <a:rPr lang="en-US" smtClean="0"/>
-              <a:t>1/5/2015</a:t>
+              <a:t>1/6/2015</a:t>
             </a:fld>
             <a:endParaRPr lang="en-US"/>
           </a:p>
@@ -759,7 +764,7 @@
           <a:p>
             <a:fld id="{DD4D6C24-C5FE-4E1B-BD59-08DAC2D82EED}" type="datetimeFigureOut">
               <a:rPr lang="en-US" smtClean="0"/>
-              <a:t>1/5/2015</a:t>
+              <a:t>1/6/2015</a:t>
             </a:fld>
             <a:endParaRPr lang="en-US"/>
           </a:p>
@@ -1005,7 +1010,7 @@
           <a:p>
             <a:fld id="{DD4D6C24-C5FE-4E1B-BD59-08DAC2D82EED}" type="datetimeFigureOut">
               <a:rPr lang="en-US" smtClean="0"/>
-              <a:t>1/5/2015</a:t>
+              <a:t>1/6/2015</a:t>
             </a:fld>
             <a:endParaRPr lang="en-US"/>
           </a:p>
@@ -1237,7 +1242,7 @@
           <a:p>
             <a:fld id="{DD4D6C24-C5FE-4E1B-BD59-08DAC2D82EED}" type="datetimeFigureOut">
               <a:rPr lang="en-US" smtClean="0"/>
-              <a:t>1/5/2015</a:t>
+              <a:t>1/6/2015</a:t>
             </a:fld>
             <a:endParaRPr lang="en-US"/>
           </a:p>
@@ -1604,7 +1609,7 @@
           <a:p>
             <a:fld id="{DD4D6C24-C5FE-4E1B-BD59-08DAC2D82EED}" type="datetimeFigureOut">
               <a:rPr lang="en-US" smtClean="0"/>
-              <a:t>1/5/2015</a:t>
+              <a:t>1/6/2015</a:t>
             </a:fld>
             <a:endParaRPr lang="en-US"/>
           </a:p>
@@ -1722,7 +1727,7 @@
           <a:p>
             <a:fld id="{DD4D6C24-C5FE-4E1B-BD59-08DAC2D82EED}" type="datetimeFigureOut">
               <a:rPr lang="en-US" smtClean="0"/>
-              <a:t>1/5/2015</a:t>
+              <a:t>1/6/2015</a:t>
             </a:fld>
             <a:endParaRPr lang="en-US"/>
           </a:p>
@@ -1817,7 +1822,7 @@
           <a:p>
             <a:fld id="{DD4D6C24-C5FE-4E1B-BD59-08DAC2D82EED}" type="datetimeFigureOut">
               <a:rPr lang="en-US" smtClean="0"/>
-              <a:t>1/5/2015</a:t>
+              <a:t>1/6/2015</a:t>
             </a:fld>
             <a:endParaRPr lang="en-US"/>
           </a:p>
@@ -2094,7 +2099,7 @@
           <a:p>
             <a:fld id="{DD4D6C24-C5FE-4E1B-BD59-08DAC2D82EED}" type="datetimeFigureOut">
               <a:rPr lang="en-US" smtClean="0"/>
-              <a:t>1/5/2015</a:t>
+              <a:t>1/6/2015</a:t>
             </a:fld>
             <a:endParaRPr lang="en-US"/>
           </a:p>
@@ -2347,7 +2352,7 @@
           <a:p>
             <a:fld id="{DD4D6C24-C5FE-4E1B-BD59-08DAC2D82EED}" type="datetimeFigureOut">
               <a:rPr lang="en-US" smtClean="0"/>
-              <a:t>1/5/2015</a:t>
+              <a:t>1/6/2015</a:t>
             </a:fld>
             <a:endParaRPr lang="en-US"/>
           </a:p>
@@ -2560,7 +2565,7 @@
           <a:p>
             <a:fld id="{DD4D6C24-C5FE-4E1B-BD59-08DAC2D82EED}" type="datetimeFigureOut">
               <a:rPr lang="en-US" smtClean="0"/>
-              <a:t>1/5/2015</a:t>
+              <a:t>1/6/2015</a:t>
             </a:fld>
             <a:endParaRPr lang="en-US"/>
           </a:p>
@@ -2949,6 +2954,173 @@
 </file>
 
 <file path=ppt/slides/slide1.xml><?xml version="1.0" encoding="utf-8"?>
+<p:sld xmlns:a="http://schemas.openxmlformats.org/drawingml/2006/main" xmlns:r="http://schemas.openxmlformats.org/officeDocument/2006/relationships" xmlns:p="http://schemas.openxmlformats.org/presentationml/2006/main">
+  <p:cSld>
+    <p:spTree>
+      <p:nvGrpSpPr>
+        <p:cNvPr id="1" name=""/>
+        <p:cNvGrpSpPr/>
+        <p:nvPr/>
+      </p:nvGrpSpPr>
+      <p:grpSpPr>
+        <a:xfrm>
+          <a:off x="0" y="0"/>
+          <a:ext cx="0" cy="0"/>
+          <a:chOff x="0" y="0"/>
+          <a:chExt cx="0" cy="0"/>
+        </a:xfrm>
+      </p:grpSpPr>
+      <p:sp>
+        <p:nvSpPr>
+          <p:cNvPr id="2" name="Title 1"/>
+          <p:cNvSpPr>
+            <a:spLocks noGrp="1"/>
+          </p:cNvSpPr>
+          <p:nvPr>
+            <p:ph type="title"/>
+          </p:nvPr>
+        </p:nvSpPr>
+        <p:spPr/>
+        <p:txBody>
+          <a:bodyPr/>
+          <a:lstStyle/>
+          <a:p>
+            <a:r>
+              <a:rPr lang="en-US" dirty="0" smtClean="0"/>
+              <a:t>Lab Steps</a:t>
+            </a:r>
+            <a:endParaRPr lang="en-US" dirty="0"/>
+          </a:p>
+        </p:txBody>
+      </p:sp>
+      <p:sp>
+        <p:nvSpPr>
+          <p:cNvPr id="3" name="Content Placeholder 2"/>
+          <p:cNvSpPr>
+            <a:spLocks noGrp="1"/>
+          </p:cNvSpPr>
+          <p:nvPr>
+            <p:ph idx="1"/>
+          </p:nvPr>
+        </p:nvSpPr>
+        <p:spPr/>
+        <p:txBody>
+          <a:bodyPr>
+            <a:normAutofit lnSpcReduction="10000"/>
+          </a:bodyPr>
+          <a:lstStyle/>
+          <a:p>
+            <a:pPr marL="514350" indent="-514350">
+              <a:buFont typeface="+mj-lt"/>
+              <a:buAutoNum type="arabicPeriod"/>
+            </a:pPr>
+            <a:r>
+              <a:rPr lang="en-US" dirty="0" smtClean="0"/>
+              <a:t>Download Bootstrap components</a:t>
+            </a:r>
+          </a:p>
+          <a:p>
+            <a:pPr marL="514350" indent="-514350">
+              <a:buFont typeface="+mj-lt"/>
+              <a:buAutoNum type="arabicPeriod"/>
+            </a:pPr>
+            <a:r>
+              <a:rPr lang="en-US" dirty="0" smtClean="0"/>
+              <a:t>Create a new page named AlbumDetails.html</a:t>
+            </a:r>
+          </a:p>
+          <a:p>
+            <a:pPr marL="514350" indent="-514350">
+              <a:buFont typeface="+mj-lt"/>
+              <a:buAutoNum type="arabicPeriod"/>
+            </a:pPr>
+            <a:r>
+              <a:rPr lang="en-US" dirty="0" smtClean="0"/>
+              <a:t>Add Bootstrap CSS file reference(s)</a:t>
+            </a:r>
+          </a:p>
+          <a:p>
+            <a:pPr marL="514350" indent="-514350">
+              <a:buFont typeface="+mj-lt"/>
+              <a:buAutoNum type="arabicPeriod"/>
+            </a:pPr>
+            <a:r>
+              <a:rPr lang="en-US" dirty="0" smtClean="0"/>
+              <a:t>Add necessary HTML to implement the layout pictured</a:t>
+            </a:r>
+          </a:p>
+          <a:p>
+            <a:pPr lvl="1"/>
+            <a:r>
+              <a:rPr lang="en-US" dirty="0" smtClean="0"/>
+              <a:t>Use the phrases "Music Store", "Album Title", and "Artist" as placeholders</a:t>
+            </a:r>
+          </a:p>
+          <a:p>
+            <a:pPr lvl="1"/>
+            <a:r>
+              <a:rPr lang="en-US" dirty="0" smtClean="0"/>
+              <a:t>Obtain additional </a:t>
+            </a:r>
+            <a:r>
+              <a:rPr lang="en-US" dirty="0"/>
+              <a:t>text from http://lipsum.com</a:t>
+            </a:r>
+            <a:r>
+              <a:rPr lang="en-US" dirty="0" smtClean="0"/>
+              <a:t>/</a:t>
+            </a:r>
+          </a:p>
+          <a:p>
+            <a:pPr lvl="1"/>
+            <a:r>
+              <a:rPr lang="en-US" dirty="0" smtClean="0"/>
+              <a:t>Use the image provided at ___</a:t>
+            </a:r>
+          </a:p>
+          <a:p>
+            <a:pPr lvl="1"/>
+            <a:r>
+              <a:rPr lang="en-US" dirty="0" smtClean="0"/>
+              <a:t>Use your best judgment regarding sizing</a:t>
+            </a:r>
+          </a:p>
+          <a:p>
+            <a:pPr marL="514350" indent="-514350">
+              <a:buFont typeface="+mj-lt"/>
+              <a:buAutoNum type="arabicPeriod"/>
+            </a:pPr>
+            <a:r>
+              <a:rPr lang="en-US" dirty="0" smtClean="0"/>
+              <a:t>Obtain a new theme from http://bootswatch.com</a:t>
+            </a:r>
+          </a:p>
+          <a:p>
+            <a:pPr marL="514350" indent="-514350">
+              <a:buFont typeface="+mj-lt"/>
+              <a:buAutoNum type="arabicPeriod"/>
+            </a:pPr>
+            <a:r>
+              <a:rPr lang="en-US" dirty="0" smtClean="0"/>
+              <a:t>Implement the new theme</a:t>
+            </a:r>
+          </a:p>
+        </p:txBody>
+      </p:sp>
+    </p:spTree>
+    <p:extLst>
+      <p:ext uri="{BB962C8B-B14F-4D97-AF65-F5344CB8AC3E}">
+        <p14:creationId xmlns:p14="http://schemas.microsoft.com/office/powerpoint/2010/main" val="1472192619"/>
+      </p:ext>
+    </p:extLst>
+  </p:cSld>
+  <p:clrMapOvr>
+    <a:masterClrMapping/>
+  </p:clrMapOvr>
+</p:sld>
+</file>
+
+<file path=ppt/slides/slide2.xml><?xml version="1.0" encoding="utf-8"?>
 <p:sld xmlns:a="http://schemas.openxmlformats.org/drawingml/2006/main" xmlns:r="http://schemas.openxmlformats.org/officeDocument/2006/relationships" xmlns:p="http://schemas.openxmlformats.org/presentationml/2006/main">
   <p:cSld>
     <p:spTree>
@@ -5032,2090 +5204,6 @@
 </p:sld>
 </file>
 
-<file path=ppt/slides/slide2.xml><?xml version="1.0" encoding="utf-8"?>
-<p:sld xmlns:a="http://schemas.openxmlformats.org/drawingml/2006/main" xmlns:r="http://schemas.openxmlformats.org/officeDocument/2006/relationships" xmlns:p="http://schemas.openxmlformats.org/presentationml/2006/main">
-  <p:cSld>
-    <p:spTree>
-      <p:nvGrpSpPr>
-        <p:cNvPr id="1" name=""/>
-        <p:cNvGrpSpPr/>
-        <p:nvPr/>
-      </p:nvGrpSpPr>
-      <p:grpSpPr>
-        <a:xfrm>
-          <a:off x="0" y="0"/>
-          <a:ext cx="0" cy="0"/>
-          <a:chOff x="0" y="0"/>
-          <a:chExt cx="0" cy="0"/>
-        </a:xfrm>
-      </p:grpSpPr>
-      <p:sp>
-        <p:nvSpPr>
-          <p:cNvPr id="2" name="Title 1"/>
-          <p:cNvSpPr>
-            <a:spLocks noGrp="1"/>
-          </p:cNvSpPr>
-          <p:nvPr>
-            <p:ph type="ctrTitle"/>
-          </p:nvPr>
-        </p:nvSpPr>
-        <p:spPr/>
-        <p:txBody>
-          <a:bodyPr/>
-          <a:lstStyle/>
-          <a:p>
-            <a:endParaRPr lang="en-US"/>
-          </a:p>
-        </p:txBody>
-      </p:sp>
-      <p:sp>
-        <p:nvSpPr>
-          <p:cNvPr id="3" name="Subtitle 2"/>
-          <p:cNvSpPr>
-            <a:spLocks noGrp="1"/>
-          </p:cNvSpPr>
-          <p:nvPr>
-            <p:ph type="subTitle" idx="1"/>
-          </p:nvPr>
-        </p:nvSpPr>
-        <p:spPr/>
-        <p:txBody>
-          <a:bodyPr/>
-          <a:lstStyle/>
-          <a:p>
-            <a:endParaRPr lang="en-US"/>
-          </a:p>
-        </p:txBody>
-      </p:sp>
-      <p:grpSp>
-        <p:nvGrpSpPr>
-          <p:cNvPr id="4" name="WebBrowser"/>
-          <p:cNvGrpSpPr/>
-          <p:nvPr>
-            <p:custDataLst>
-              <p:custData r:id="rId1"/>
-            </p:custDataLst>
-          </p:nvPr>
-        </p:nvGrpSpPr>
-        <p:grpSpPr>
-          <a:xfrm>
-            <a:off x="0" y="0"/>
-            <a:ext cx="12192000" cy="6858000"/>
-            <a:chOff x="0" y="0"/>
-            <a:chExt cx="9144000" cy="6858000"/>
-          </a:xfrm>
-        </p:grpSpPr>
-        <p:sp>
-          <p:nvSpPr>
-            <p:cNvPr id="5" name="Background"/>
-            <p:cNvSpPr/>
-            <p:nvPr/>
-          </p:nvSpPr>
-          <p:spPr>
-            <a:xfrm>
-              <a:off x="0" y="0"/>
-              <a:ext cx="9144000" cy="6858000"/>
-            </a:xfrm>
-            <a:prstGeom prst="rect">
-              <a:avLst/>
-            </a:prstGeom>
-            <a:solidFill>
-              <a:srgbClr val="FFFFFF">
-                <a:lumMod val="65000"/>
-              </a:srgbClr>
-            </a:solidFill>
-            <a:ln w="3175" cap="flat" cmpd="sng" algn="ctr">
-              <a:solidFill>
-                <a:srgbClr val="000000">
-                  <a:lumMod val="50000"/>
-                  <a:lumOff val="50000"/>
-                </a:srgbClr>
-              </a:solidFill>
-              <a:prstDash val="solid"/>
-            </a:ln>
-            <a:effectLst/>
-          </p:spPr>
-          <p:txBody>
-            <a:bodyPr rtlCol="0" anchor="ctr"/>
-            <a:lstStyle/>
-            <a:p>
-              <a:pPr algn="ctr"/>
-              <a:endParaRPr lang="en-US" sz="1050" kern="0" dirty="0">
-                <a:solidFill>
-                  <a:prstClr val="white"/>
-                </a:solidFill>
-                <a:latin typeface="Segoe UI"/>
-              </a:endParaRPr>
-            </a:p>
-          </p:txBody>
-        </p:sp>
-        <p:sp>
-          <p:nvSpPr>
-            <p:cNvPr id="6" name="WindowTitle"/>
-            <p:cNvSpPr txBox="1"/>
-            <p:nvPr/>
-          </p:nvSpPr>
-          <p:spPr>
-            <a:xfrm>
-              <a:off x="22515" y="22341"/>
-              <a:ext cx="1176028" cy="230832"/>
-            </a:xfrm>
-            <a:prstGeom prst="rect">
-              <a:avLst/>
-            </a:prstGeom>
-            <a:noFill/>
-          </p:spPr>
-          <p:txBody>
-            <a:bodyPr wrap="none" lIns="91440" tIns="18288" rIns="91440" bIns="27432" rtlCol="0" anchor="ctr" anchorCtr="0">
-              <a:spAutoFit/>
-            </a:bodyPr>
-            <a:lstStyle/>
-            <a:p>
-              <a:r>
-                <a:rPr lang="en-US" sz="1200" dirty="0" smtClean="0">
-                  <a:solidFill>
-                    <a:prstClr val="white"/>
-                  </a:solidFill>
-                  <a:latin typeface="Segoe UI" pitchFamily="34" charset="0"/>
-                  <a:ea typeface="Segoe UI" pitchFamily="34" charset="0"/>
-                  <a:cs typeface="Segoe UI" pitchFamily="34" charset="0"/>
-                </a:rPr>
-                <a:t>Web page title</a:t>
-              </a:r>
-            </a:p>
-          </p:txBody>
-        </p:sp>
-        <p:grpSp>
-          <p:nvGrpSpPr>
-            <p:cNvPr id="7" name="Group 6"/>
-            <p:cNvGrpSpPr/>
-            <p:nvPr/>
-          </p:nvGrpSpPr>
-          <p:grpSpPr>
-            <a:xfrm>
-              <a:off x="81598" y="286385"/>
-              <a:ext cx="320040" cy="316520"/>
-              <a:chOff x="72073" y="221749"/>
-              <a:chExt cx="320040" cy="316520"/>
-            </a:xfrm>
-          </p:grpSpPr>
-          <p:sp>
-            <p:nvSpPr>
-              <p:cNvPr id="31" name="Oval 30"/>
-              <p:cNvSpPr/>
-              <p:nvPr/>
-            </p:nvSpPr>
-            <p:spPr>
-              <a:xfrm>
-                <a:off x="72073" y="221749"/>
-                <a:ext cx="320040" cy="316520"/>
-              </a:xfrm>
-              <a:prstGeom prst="ellipse">
-                <a:avLst/>
-              </a:prstGeom>
-              <a:gradFill flip="none" rotWithShape="1">
-                <a:gsLst>
-                  <a:gs pos="91000">
-                    <a:srgbClr val="FFFFFF">
-                      <a:lumMod val="85000"/>
-                    </a:srgbClr>
-                  </a:gs>
-                  <a:gs pos="36000">
-                    <a:srgbClr val="FFFFFF">
-                      <a:lumMod val="95000"/>
-                    </a:srgbClr>
-                  </a:gs>
-                  <a:gs pos="100000">
-                    <a:srgbClr val="FFFFFF">
-                      <a:lumMod val="95000"/>
-                    </a:srgbClr>
-                  </a:gs>
-                </a:gsLst>
-                <a:lin ang="5400000" scaled="0"/>
-                <a:tileRect/>
-              </a:gradFill>
-              <a:ln w="3175">
-                <a:solidFill>
-                  <a:srgbClr val="000000">
-                    <a:lumMod val="50000"/>
-                    <a:lumOff val="50000"/>
-                  </a:srgbClr>
-                </a:solidFill>
-              </a:ln>
-              <a:effectLst/>
-            </p:spPr>
-            <p:style>
-              <a:lnRef idx="2">
-                <a:srgbClr val="4F81BD">
-                  <a:shade val="50000"/>
-                </a:srgbClr>
-              </a:lnRef>
-              <a:fillRef idx="1">
-                <a:srgbClr val="4F81BD"/>
-              </a:fillRef>
-              <a:effectRef idx="0">
-                <a:srgbClr val="4F81BD"/>
-              </a:effectRef>
-              <a:fontRef idx="minor">
-                <a:srgbClr val="000000"/>
-              </a:fontRef>
-            </p:style>
-            <p:txBody>
-              <a:bodyPr rtlCol="0" anchor="ctr"/>
-              <a:lstStyle/>
-              <a:p>
-                <a:pPr algn="ctr"/>
-                <a:endParaRPr lang="en-US" sz="1050" u="sng">
-                  <a:solidFill>
-                    <a:prstClr val="white"/>
-                  </a:solidFill>
-                </a:endParaRPr>
-              </a:p>
-            </p:txBody>
-          </p:sp>
-          <p:sp>
-            <p:nvSpPr>
-              <p:cNvPr id="32" name="Left Arrow 31"/>
-              <p:cNvSpPr/>
-              <p:nvPr/>
-            </p:nvSpPr>
-            <p:spPr>
-              <a:xfrm>
-                <a:off x="109358" y="275511"/>
-                <a:ext cx="223134" cy="208997"/>
-              </a:xfrm>
-              <a:prstGeom prst="leftArrow">
-                <a:avLst/>
-              </a:prstGeom>
-              <a:solidFill>
-                <a:sysClr val="window" lastClr="FFFFFF"/>
-              </a:solidFill>
-              <a:ln w="3175" cap="flat" cmpd="sng" algn="ctr">
-                <a:solidFill>
-                  <a:sysClr val="windowText" lastClr="000000">
-                    <a:lumMod val="75000"/>
-                    <a:lumOff val="25000"/>
-                  </a:sysClr>
-                </a:solidFill>
-                <a:prstDash val="solid"/>
-              </a:ln>
-              <a:effectLst/>
-            </p:spPr>
-            <p:txBody>
-              <a:bodyPr rtlCol="0" anchor="ctr"/>
-              <a:lstStyle/>
-              <a:p>
-                <a:pPr algn="ctr"/>
-                <a:endParaRPr lang="en-US" sz="1050" kern="0">
-                  <a:solidFill>
-                    <a:prstClr val="white"/>
-                  </a:solidFill>
-                  <a:latin typeface="Segoe UI"/>
-                </a:endParaRPr>
-              </a:p>
-            </p:txBody>
-          </p:sp>
-        </p:grpSp>
-        <p:grpSp>
-          <p:nvGrpSpPr>
-            <p:cNvPr id="8" name="Group 7"/>
-            <p:cNvGrpSpPr/>
-            <p:nvPr/>
-          </p:nvGrpSpPr>
-          <p:grpSpPr>
-            <a:xfrm>
-              <a:off x="453671" y="286384"/>
-              <a:ext cx="320040" cy="316520"/>
-              <a:chOff x="444146" y="221748"/>
-              <a:chExt cx="320040" cy="316520"/>
-            </a:xfrm>
-          </p:grpSpPr>
-          <p:sp>
-            <p:nvSpPr>
-              <p:cNvPr id="29" name="Oval 28"/>
-              <p:cNvSpPr/>
-              <p:nvPr/>
-            </p:nvSpPr>
-            <p:spPr>
-              <a:xfrm>
-                <a:off x="444146" y="221748"/>
-                <a:ext cx="320040" cy="316520"/>
-              </a:xfrm>
-              <a:prstGeom prst="ellipse">
-                <a:avLst/>
-              </a:prstGeom>
-              <a:gradFill flip="none" rotWithShape="1">
-                <a:gsLst>
-                  <a:gs pos="91000">
-                    <a:srgbClr val="FFFFFF">
-                      <a:lumMod val="85000"/>
-                    </a:srgbClr>
-                  </a:gs>
-                  <a:gs pos="36000">
-                    <a:srgbClr val="FFFFFF">
-                      <a:lumMod val="95000"/>
-                    </a:srgbClr>
-                  </a:gs>
-                  <a:gs pos="100000">
-                    <a:srgbClr val="FFFFFF">
-                      <a:lumMod val="95000"/>
-                    </a:srgbClr>
-                  </a:gs>
-                </a:gsLst>
-                <a:lin ang="5400000" scaled="0"/>
-                <a:tileRect/>
-              </a:gradFill>
-              <a:ln w="3175">
-                <a:solidFill>
-                  <a:srgbClr val="000000">
-                    <a:lumMod val="50000"/>
-                    <a:lumOff val="50000"/>
-                  </a:srgbClr>
-                </a:solidFill>
-              </a:ln>
-              <a:effectLst/>
-            </p:spPr>
-            <p:style>
-              <a:lnRef idx="2">
-                <a:srgbClr val="4F81BD">
-                  <a:shade val="50000"/>
-                </a:srgbClr>
-              </a:lnRef>
-              <a:fillRef idx="1">
-                <a:srgbClr val="4F81BD"/>
-              </a:fillRef>
-              <a:effectRef idx="0">
-                <a:srgbClr val="4F81BD"/>
-              </a:effectRef>
-              <a:fontRef idx="minor">
-                <a:srgbClr val="000000"/>
-              </a:fontRef>
-            </p:style>
-            <p:txBody>
-              <a:bodyPr rtlCol="0" anchor="ctr"/>
-              <a:lstStyle/>
-              <a:p>
-                <a:pPr algn="ctr"/>
-                <a:endParaRPr lang="en-US" sz="1050" u="sng">
-                  <a:solidFill>
-                    <a:prstClr val="white"/>
-                  </a:solidFill>
-                </a:endParaRPr>
-              </a:p>
-            </p:txBody>
-          </p:sp>
-          <p:sp>
-            <p:nvSpPr>
-              <p:cNvPr id="30" name="Right Arrow 29"/>
-              <p:cNvSpPr/>
-              <p:nvPr/>
-            </p:nvSpPr>
-            <p:spPr>
-              <a:xfrm>
-                <a:off x="481249" y="275509"/>
-                <a:ext cx="257146" cy="208999"/>
-              </a:xfrm>
-              <a:prstGeom prst="rightArrow">
-                <a:avLst/>
-              </a:prstGeom>
-              <a:solidFill>
-                <a:sysClr val="window" lastClr="FFFFFF"/>
-              </a:solidFill>
-              <a:ln w="3175" cap="flat" cmpd="sng" algn="ctr">
-                <a:solidFill>
-                  <a:sysClr val="windowText" lastClr="000000">
-                    <a:lumMod val="75000"/>
-                    <a:lumOff val="25000"/>
-                  </a:sysClr>
-                </a:solidFill>
-                <a:prstDash val="solid"/>
-              </a:ln>
-              <a:effectLst/>
-            </p:spPr>
-            <p:txBody>
-              <a:bodyPr rtlCol="0" anchor="ctr"/>
-              <a:lstStyle/>
-              <a:p>
-                <a:pPr algn="ctr"/>
-                <a:endParaRPr lang="en-US" sz="1050" kern="0">
-                  <a:solidFill>
-                    <a:prstClr val="white"/>
-                  </a:solidFill>
-                  <a:latin typeface="Segoe UI"/>
-                </a:endParaRPr>
-              </a:p>
-            </p:txBody>
-          </p:sp>
-        </p:grpSp>
-        <p:grpSp>
-          <p:nvGrpSpPr>
-            <p:cNvPr id="9" name="Minimize - Maximize - Close"/>
-            <p:cNvGrpSpPr/>
-            <p:nvPr/>
-          </p:nvGrpSpPr>
-          <p:grpSpPr>
-            <a:xfrm>
-              <a:off x="8632311" y="92599"/>
-              <a:ext cx="384527" cy="78032"/>
-              <a:chOff x="9347642" y="131588"/>
-              <a:chExt cx="384527" cy="78032"/>
-            </a:xfrm>
-          </p:grpSpPr>
-          <p:cxnSp>
-            <p:nvCxnSpPr>
-              <p:cNvPr id="24" name="Line"/>
-              <p:cNvCxnSpPr/>
-              <p:nvPr/>
-            </p:nvCxnSpPr>
-            <p:spPr>
-              <a:xfrm>
-                <a:off x="9661396" y="131588"/>
-                <a:ext cx="70773" cy="76200"/>
-              </a:xfrm>
-              <a:prstGeom prst="line">
-                <a:avLst/>
-              </a:prstGeom>
-              <a:ln w="12700">
-                <a:solidFill>
-                  <a:srgbClr val="FFFFFF"/>
-                </a:solidFill>
-              </a:ln>
-            </p:spPr>
-            <p:style>
-              <a:lnRef idx="1">
-                <a:srgbClr val="4F81BD"/>
-              </a:lnRef>
-              <a:fillRef idx="0">
-                <a:srgbClr val="4F81BD"/>
-              </a:fillRef>
-              <a:effectRef idx="0">
-                <a:srgbClr val="4F81BD"/>
-              </a:effectRef>
-              <a:fontRef idx="minor">
-                <a:srgbClr val="000000"/>
-              </a:fontRef>
-            </p:style>
-          </p:cxnSp>
-          <p:cxnSp>
-            <p:nvCxnSpPr>
-              <p:cNvPr id="25" name="Line"/>
-              <p:cNvCxnSpPr/>
-              <p:nvPr/>
-            </p:nvCxnSpPr>
-            <p:spPr>
-              <a:xfrm flipH="1">
-                <a:off x="9661395" y="131588"/>
-                <a:ext cx="70773" cy="76200"/>
-              </a:xfrm>
-              <a:prstGeom prst="line">
-                <a:avLst/>
-              </a:prstGeom>
-              <a:ln w="12700">
-                <a:solidFill>
-                  <a:srgbClr val="FFFFFF"/>
-                </a:solidFill>
-              </a:ln>
-            </p:spPr>
-            <p:style>
-              <a:lnRef idx="1">
-                <a:srgbClr val="4F81BD"/>
-              </a:lnRef>
-              <a:fillRef idx="0">
-                <a:srgbClr val="4F81BD"/>
-              </a:fillRef>
-              <a:effectRef idx="0">
-                <a:srgbClr val="4F81BD"/>
-              </a:effectRef>
-              <a:fontRef idx="minor">
-                <a:srgbClr val="000000"/>
-              </a:fontRef>
-            </p:style>
-          </p:cxnSp>
-          <p:sp>
-            <p:nvSpPr>
-              <p:cNvPr id="26" name="Line"/>
-              <p:cNvSpPr/>
-              <p:nvPr/>
-            </p:nvSpPr>
-            <p:spPr>
-              <a:xfrm rot="10800000" flipV="1">
-                <a:off x="9499472" y="143255"/>
-                <a:ext cx="91440" cy="9144"/>
-              </a:xfrm>
-              <a:prstGeom prst="rect">
-                <a:avLst/>
-              </a:prstGeom>
-              <a:solidFill>
-                <a:srgbClr val="919191"/>
-              </a:solidFill>
-              <a:ln w="3175">
-                <a:solidFill>
-                  <a:srgbClr val="FFFFFF"/>
-                </a:solidFill>
-              </a:ln>
-            </p:spPr>
-            <p:style>
-              <a:lnRef idx="2">
-                <a:srgbClr val="4F81BD">
-                  <a:shade val="50000"/>
-                </a:srgbClr>
-              </a:lnRef>
-              <a:fillRef idx="1001">
-                <a:srgbClr val="000000"/>
-              </a:fillRef>
-              <a:effectRef idx="0">
-                <a:srgbClr val="4F81BD"/>
-              </a:effectRef>
-              <a:fontRef idx="minor">
-                <a:srgbClr val="000000"/>
-              </a:fontRef>
-            </p:style>
-            <p:txBody>
-              <a:bodyPr rtlCol="0" anchor="ctr"/>
-              <a:lstStyle/>
-              <a:p>
-                <a:pPr algn="ctr"/>
-                <a:endParaRPr lang="en-US" sz="1050" dirty="0">
-                  <a:solidFill>
-                    <a:prstClr val="white"/>
-                  </a:solidFill>
-                </a:endParaRPr>
-              </a:p>
-            </p:txBody>
-          </p:sp>
-          <p:sp>
-            <p:nvSpPr>
-              <p:cNvPr id="27" name="Line"/>
-              <p:cNvSpPr/>
-              <p:nvPr/>
-            </p:nvSpPr>
-            <p:spPr>
-              <a:xfrm rot="10800000" flipV="1">
-                <a:off x="9498658" y="135261"/>
-                <a:ext cx="91440" cy="72527"/>
-              </a:xfrm>
-              <a:prstGeom prst="rect">
-                <a:avLst/>
-              </a:prstGeom>
-              <a:noFill/>
-              <a:ln w="12700">
-                <a:solidFill>
-                  <a:srgbClr val="FFFFFF"/>
-                </a:solidFill>
-              </a:ln>
-            </p:spPr>
-            <p:style>
-              <a:lnRef idx="2">
-                <a:srgbClr val="4F81BD">
-                  <a:shade val="50000"/>
-                </a:srgbClr>
-              </a:lnRef>
-              <a:fillRef idx="1001">
-                <a:srgbClr val="000000"/>
-              </a:fillRef>
-              <a:effectRef idx="0">
-                <a:srgbClr val="4F81BD"/>
-              </a:effectRef>
-              <a:fontRef idx="minor">
-                <a:srgbClr val="000000"/>
-              </a:fontRef>
-            </p:style>
-            <p:txBody>
-              <a:bodyPr rtlCol="0" anchor="ctr"/>
-              <a:lstStyle/>
-              <a:p>
-                <a:pPr algn="ctr"/>
-                <a:endParaRPr lang="en-US" sz="1050" dirty="0">
-                  <a:solidFill>
-                    <a:prstClr val="white"/>
-                  </a:solidFill>
-                </a:endParaRPr>
-              </a:p>
-            </p:txBody>
-          </p:sp>
-          <p:sp>
-            <p:nvSpPr>
-              <p:cNvPr id="28" name="Line"/>
-              <p:cNvSpPr/>
-              <p:nvPr/>
-            </p:nvSpPr>
-            <p:spPr>
-              <a:xfrm rot="10800000" flipV="1">
-                <a:off x="9347642" y="200476"/>
-                <a:ext cx="91440" cy="9144"/>
-              </a:xfrm>
-              <a:prstGeom prst="rect">
-                <a:avLst/>
-              </a:prstGeom>
-              <a:solidFill>
-                <a:srgbClr val="919191"/>
-              </a:solidFill>
-              <a:ln w="3175">
-                <a:solidFill>
-                  <a:srgbClr val="FFFFFF"/>
-                </a:solidFill>
-              </a:ln>
-            </p:spPr>
-            <p:style>
-              <a:lnRef idx="2">
-                <a:srgbClr val="4F81BD">
-                  <a:shade val="50000"/>
-                </a:srgbClr>
-              </a:lnRef>
-              <a:fillRef idx="1001">
-                <a:srgbClr val="000000"/>
-              </a:fillRef>
-              <a:effectRef idx="0">
-                <a:srgbClr val="4F81BD"/>
-              </a:effectRef>
-              <a:fontRef idx="minor">
-                <a:srgbClr val="000000"/>
-              </a:fontRef>
-            </p:style>
-            <p:txBody>
-              <a:bodyPr rtlCol="0" anchor="ctr"/>
-              <a:lstStyle/>
-              <a:p>
-                <a:pPr algn="ctr"/>
-                <a:endParaRPr lang="en-US" sz="1050" dirty="0">
-                  <a:solidFill>
-                    <a:prstClr val="white"/>
-                  </a:solidFill>
-                </a:endParaRPr>
-              </a:p>
-            </p:txBody>
-          </p:sp>
-        </p:grpSp>
-        <p:sp>
-          <p:nvSpPr>
-            <p:cNvPr id="10" name="WebPageBody"/>
-            <p:cNvSpPr/>
-            <p:nvPr/>
-          </p:nvSpPr>
-          <p:spPr>
-            <a:xfrm>
-              <a:off x="76200" y="685159"/>
-              <a:ext cx="8991600" cy="6066801"/>
-            </a:xfrm>
-            <a:prstGeom prst="rect">
-              <a:avLst/>
-            </a:prstGeom>
-            <a:solidFill>
-              <a:sysClr val="window" lastClr="FFFFFF"/>
-            </a:solidFill>
-            <a:ln w="3175" cap="flat" cmpd="sng" algn="ctr">
-              <a:solidFill>
-                <a:srgbClr val="000000">
-                  <a:lumMod val="50000"/>
-                  <a:lumOff val="50000"/>
-                </a:srgbClr>
-              </a:solidFill>
-              <a:prstDash val="solid"/>
-            </a:ln>
-            <a:effectLst/>
-          </p:spPr>
-          <p:txBody>
-            <a:bodyPr rtlCol="0" anchor="ctr"/>
-            <a:lstStyle/>
-            <a:p>
-              <a:pPr algn="ctr"/>
-              <a:endParaRPr lang="en-US" sz="1050" kern="0">
-                <a:solidFill>
-                  <a:prstClr val="white"/>
-                </a:solidFill>
-                <a:latin typeface="Segoe UI"/>
-              </a:endParaRPr>
-            </a:p>
-          </p:txBody>
-        </p:sp>
-        <p:grpSp>
-          <p:nvGrpSpPr>
-            <p:cNvPr id="11" name="Group 10"/>
-            <p:cNvGrpSpPr/>
-            <p:nvPr/>
-          </p:nvGrpSpPr>
-          <p:grpSpPr>
-            <a:xfrm>
-              <a:off x="8386335" y="360579"/>
-              <a:ext cx="640645" cy="183940"/>
-              <a:chOff x="8303527" y="360579"/>
-              <a:chExt cx="640645" cy="183940"/>
-            </a:xfrm>
-          </p:grpSpPr>
-          <p:pic>
-            <p:nvPicPr>
-              <p:cNvPr id="21" name="Picture 2" descr="C:\Users\t-dantay\Documents\Placeholders\home.png"/>
-              <p:cNvPicPr>
-                <a:picLocks noChangeAspect="1" noChangeArrowheads="1"/>
-              </p:cNvPicPr>
-              <p:nvPr/>
-            </p:nvPicPr>
-            <p:blipFill>
-              <a:blip r:embed="rId6" cstate="print">
-                <a:extLst>
-                  <a:ext uri="{28A0092B-C50C-407E-A947-70E740481C1C}">
-                    <a14:useLocalDpi xmlns:a14="http://schemas.microsoft.com/office/drawing/2010/main" val="0"/>
-                  </a:ext>
-                </a:extLst>
-              </a:blip>
-              <a:srcRect/>
-              <a:stretch>
-                <a:fillRect/>
-              </a:stretch>
-            </p:blipFill>
-            <p:spPr bwMode="auto">
-              <a:xfrm>
-                <a:off x="8303527" y="361109"/>
-                <a:ext cx="185783" cy="182880"/>
-              </a:xfrm>
-              <a:prstGeom prst="rect">
-                <a:avLst/>
-              </a:prstGeom>
-              <a:noFill/>
-              <a:extLst>
-                <a:ext uri="{909E8E84-426E-40DD-AFC4-6F175D3DCCD1}">
-                  <a14:hiddenFill xmlns:a14="http://schemas.microsoft.com/office/drawing/2010/main">
-                    <a:solidFill>
-                      <a:srgbClr val="FFFFFF"/>
-                    </a:solidFill>
-                  </a14:hiddenFill>
-                </a:ext>
-              </a:extLst>
-            </p:spPr>
-          </p:pic>
-          <p:pic>
-            <p:nvPicPr>
-              <p:cNvPr id="22" name="Picture 2" descr="C:\Users\t-dantay\Documents\Placeholders\setting.png"/>
-              <p:cNvPicPr>
-                <a:picLocks noChangeAspect="1" noChangeArrowheads="1"/>
-              </p:cNvPicPr>
-              <p:nvPr/>
-            </p:nvPicPr>
-            <p:blipFill rotWithShape="1">
-              <a:blip r:embed="rId7" cstate="print">
-                <a:extLst>
-                  <a:ext uri="{28A0092B-C50C-407E-A947-70E740481C1C}">
-                    <a14:useLocalDpi xmlns:a14="http://schemas.microsoft.com/office/drawing/2010/main" val="0"/>
-                  </a:ext>
-                </a:extLst>
-              </a:blip>
-              <a:srcRect t="13480" r="35484"/>
-              <a:stretch/>
-            </p:blipFill>
-            <p:spPr bwMode="auto">
-              <a:xfrm>
-                <a:off x="8761292" y="360579"/>
-                <a:ext cx="182880" cy="183940"/>
-              </a:xfrm>
-              <a:prstGeom prst="rect">
-                <a:avLst/>
-              </a:prstGeom>
-              <a:noFill/>
-              <a:extLst>
-                <a:ext uri="{909E8E84-426E-40DD-AFC4-6F175D3DCCD1}">
-                  <a14:hiddenFill xmlns:a14="http://schemas.microsoft.com/office/drawing/2010/main">
-                    <a:solidFill>
-                      <a:srgbClr val="FFFFFF"/>
-                    </a:solidFill>
-                  </a14:hiddenFill>
-                </a:ext>
-              </a:extLst>
-            </p:spPr>
-          </p:pic>
-          <p:pic>
-            <p:nvPicPr>
-              <p:cNvPr id="23" name="Picture 2" descr="C:\Users\t-dantay\Documents\Placeholders\star.png"/>
-              <p:cNvPicPr>
-                <a:picLocks noChangeAspect="1" noChangeArrowheads="1"/>
-              </p:cNvPicPr>
-              <p:nvPr/>
-            </p:nvPicPr>
-            <p:blipFill>
-              <a:blip r:embed="rId8" cstate="print">
-                <a:extLst>
-                  <a:ext uri="{28A0092B-C50C-407E-A947-70E740481C1C}">
-                    <a14:useLocalDpi xmlns:a14="http://schemas.microsoft.com/office/drawing/2010/main" val="0"/>
-                  </a:ext>
-                </a:extLst>
-              </a:blip>
-              <a:srcRect/>
-              <a:stretch>
-                <a:fillRect/>
-              </a:stretch>
-            </p:blipFill>
-            <p:spPr bwMode="auto">
-              <a:xfrm>
-                <a:off x="8529364" y="361109"/>
-                <a:ext cx="191874" cy="182880"/>
-              </a:xfrm>
-              <a:prstGeom prst="rect">
-                <a:avLst/>
-              </a:prstGeom>
-              <a:noFill/>
-              <a:extLst>
-                <a:ext uri="{909E8E84-426E-40DD-AFC4-6F175D3DCCD1}">
-                  <a14:hiddenFill xmlns:a14="http://schemas.microsoft.com/office/drawing/2010/main">
-                    <a:solidFill>
-                      <a:srgbClr val="FFFFFF"/>
-                    </a:solidFill>
-                  </a14:hiddenFill>
-                </a:ext>
-              </a:extLst>
-            </p:spPr>
-          </p:pic>
-        </p:grpSp>
-        <p:grpSp>
-          <p:nvGrpSpPr>
-            <p:cNvPr id="12" name="Group 11"/>
-            <p:cNvGrpSpPr/>
-            <p:nvPr/>
-          </p:nvGrpSpPr>
-          <p:grpSpPr>
-            <a:xfrm>
-              <a:off x="923925" y="340846"/>
-              <a:ext cx="7142930" cy="228600"/>
-              <a:chOff x="923925" y="340846"/>
-              <a:chExt cx="7142930" cy="228600"/>
-            </a:xfrm>
-          </p:grpSpPr>
-          <p:sp>
-            <p:nvSpPr>
-              <p:cNvPr id="13" name="UrlBar"/>
-              <p:cNvSpPr/>
-              <p:nvPr/>
-            </p:nvSpPr>
-            <p:spPr>
-              <a:xfrm>
-                <a:off x="923925" y="340846"/>
-                <a:ext cx="7142930" cy="228600"/>
-              </a:xfrm>
-              <a:prstGeom prst="rect">
-                <a:avLst/>
-              </a:prstGeom>
-              <a:solidFill>
-                <a:sysClr val="window" lastClr="FFFFFF"/>
-              </a:solidFill>
-              <a:ln w="3175" cap="flat" cmpd="sng" algn="ctr">
-                <a:solidFill>
-                  <a:srgbClr val="000000">
-                    <a:lumMod val="50000"/>
-                    <a:lumOff val="50000"/>
-                  </a:srgbClr>
-                </a:solidFill>
-                <a:prstDash val="solid"/>
-              </a:ln>
-              <a:effectLst/>
-            </p:spPr>
-            <p:txBody>
-              <a:bodyPr rtlCol="0" anchor="ctr"/>
-              <a:lstStyle/>
-              <a:p>
-                <a:r>
-                  <a:rPr lang="en-US" sz="1200" kern="0" dirty="0" smtClean="0">
-                    <a:solidFill>
-                      <a:prstClr val="black">
-                        <a:lumMod val="75000"/>
-                        <a:lumOff val="25000"/>
-                      </a:prstClr>
-                    </a:solidFill>
-                    <a:latin typeface="Segoe UI"/>
-                  </a:rPr>
-                  <a:t>http://www.url.com</a:t>
-                </a:r>
-                <a:endParaRPr lang="en-US" sz="1200" kern="0" dirty="0">
-                  <a:solidFill>
-                    <a:prstClr val="black">
-                      <a:lumMod val="75000"/>
-                      <a:lumOff val="25000"/>
-                    </a:prstClr>
-                  </a:solidFill>
-                  <a:latin typeface="Segoe UI"/>
-                </a:endParaRPr>
-              </a:p>
-            </p:txBody>
-          </p:sp>
-          <p:grpSp>
-            <p:nvGrpSpPr>
-              <p:cNvPr id="14" name="Group 13"/>
-              <p:cNvGrpSpPr/>
-              <p:nvPr/>
-            </p:nvGrpSpPr>
-            <p:grpSpPr>
-              <a:xfrm>
-                <a:off x="7260350" y="363706"/>
-                <a:ext cx="744325" cy="182880"/>
-                <a:chOff x="7260350" y="363706"/>
-                <a:chExt cx="744325" cy="182880"/>
-              </a:xfrm>
-            </p:grpSpPr>
-            <p:pic>
-              <p:nvPicPr>
-                <p:cNvPr id="15" name="Search" descr="C:\Users\t-dantay\Documents\Placeholders\search.png"/>
-                <p:cNvPicPr>
-                  <a:picLocks noChangeAspect="1" noChangeArrowheads="1"/>
-                </p:cNvPicPr>
-                <p:nvPr/>
-              </p:nvPicPr>
-              <p:blipFill>
-                <a:blip r:embed="rId9" cstate="print">
-                  <a:extLst>
-                    <a:ext uri="{28A0092B-C50C-407E-A947-70E740481C1C}">
-                      <a14:useLocalDpi xmlns:a14="http://schemas.microsoft.com/office/drawing/2010/main" val="0"/>
-                    </a:ext>
-                  </a:extLst>
-                </a:blip>
-                <a:srcRect/>
-                <a:stretch>
-                  <a:fillRect/>
-                </a:stretch>
-              </p:blipFill>
-              <p:spPr bwMode="auto">
-                <a:xfrm flipH="1">
-                  <a:off x="7260350" y="363706"/>
-                  <a:ext cx="182880" cy="182880"/>
-                </a:xfrm>
-                <a:prstGeom prst="rect">
-                  <a:avLst/>
-                </a:prstGeom>
-                <a:noFill/>
-                <a:extLst>
-                  <a:ext uri="{909E8E84-426E-40DD-AFC4-6F175D3DCCD1}">
-                    <a14:hiddenFill xmlns:a14="http://schemas.microsoft.com/office/drawing/2010/main">
-                      <a:solidFill>
-                        <a:srgbClr val="FFFFFF"/>
-                      </a:solidFill>
-                    </a14:hiddenFill>
-                  </a:ext>
-                </a:extLst>
-              </p:spPr>
-            </p:pic>
-            <p:pic>
-              <p:nvPicPr>
-                <p:cNvPr id="16" name="Refresh" descr="C:\Users\t-dantay\Documents\First24\arrowrepeat1.png"/>
-                <p:cNvPicPr>
-                  <a:picLocks noChangeAspect="1" noChangeArrowheads="1"/>
-                </p:cNvPicPr>
-                <p:nvPr/>
-              </p:nvPicPr>
-              <p:blipFill>
-                <a:blip r:embed="rId10" cstate="print">
-                  <a:extLst>
-                    <a:ext uri="{28A0092B-C50C-407E-A947-70E740481C1C}">
-                      <a14:useLocalDpi xmlns:a14="http://schemas.microsoft.com/office/drawing/2010/main" val="0"/>
-                    </a:ext>
-                  </a:extLst>
-                </a:blip>
-                <a:srcRect/>
-                <a:stretch>
-                  <a:fillRect/>
-                </a:stretch>
-              </p:blipFill>
-              <p:spPr bwMode="auto">
-                <a:xfrm>
-                  <a:off x="7644400" y="363706"/>
-                  <a:ext cx="182880" cy="182880"/>
-                </a:xfrm>
-                <a:prstGeom prst="rect">
-                  <a:avLst/>
-                </a:prstGeom>
-                <a:noFill/>
-                <a:extLst>
-                  <a:ext uri="{909E8E84-426E-40DD-AFC4-6F175D3DCCD1}">
-                    <a14:hiddenFill xmlns:a14="http://schemas.microsoft.com/office/drawing/2010/main">
-                      <a:solidFill>
-                        <a:srgbClr val="FFFFFF"/>
-                      </a:solidFill>
-                    </a14:hiddenFill>
-                  </a:ext>
-                </a:extLst>
-              </p:spPr>
-            </p:pic>
-            <p:pic>
-              <p:nvPicPr>
-                <p:cNvPr id="17" name="Drop Down" descr="C:\Users\t-dantay\Documents\First24\arrowsimple1.png"/>
-                <p:cNvPicPr>
-                  <a:picLocks noChangeAspect="1" noChangeArrowheads="1"/>
-                </p:cNvPicPr>
-                <p:nvPr/>
-              </p:nvPicPr>
-              <p:blipFill>
-                <a:blip r:embed="rId11" cstate="print">
-                  <a:extLst>
-                    <a:ext uri="{28A0092B-C50C-407E-A947-70E740481C1C}">
-                      <a14:useLocalDpi xmlns:a14="http://schemas.microsoft.com/office/drawing/2010/main" val="0"/>
-                    </a:ext>
-                  </a:extLst>
-                </a:blip>
-                <a:srcRect/>
-                <a:stretch>
-                  <a:fillRect/>
-                </a:stretch>
-              </p:blipFill>
-              <p:spPr bwMode="auto">
-                <a:xfrm rot="5400000">
-                  <a:off x="7476150" y="409426"/>
-                  <a:ext cx="91440" cy="91440"/>
-                </a:xfrm>
-                <a:prstGeom prst="rect">
-                  <a:avLst/>
-                </a:prstGeom>
-                <a:noFill/>
-                <a:extLst>
-                  <a:ext uri="{909E8E84-426E-40DD-AFC4-6F175D3DCCD1}">
-                    <a14:hiddenFill xmlns:a14="http://schemas.microsoft.com/office/drawing/2010/main">
-                      <a:solidFill>
-                        <a:srgbClr val="FFFFFF"/>
-                      </a:solidFill>
-                    </a14:hiddenFill>
-                  </a:ext>
-                </a:extLst>
-              </p:spPr>
-            </p:pic>
-            <p:grpSp>
-              <p:nvGrpSpPr>
-                <p:cNvPr id="18" name="X"/>
-                <p:cNvGrpSpPr/>
-                <p:nvPr/>
-              </p:nvGrpSpPr>
-              <p:grpSpPr>
-                <a:xfrm>
-                  <a:off x="7913235" y="409426"/>
-                  <a:ext cx="91440" cy="91440"/>
-                  <a:chOff x="4687215" y="1739180"/>
-                  <a:chExt cx="91440" cy="91440"/>
-                </a:xfrm>
-              </p:grpSpPr>
-              <p:cxnSp>
-                <p:nvCxnSpPr>
-                  <p:cNvPr id="19" name="Straight Connector 18"/>
-                  <p:cNvCxnSpPr/>
-                  <p:nvPr/>
-                </p:nvCxnSpPr>
-                <p:spPr>
-                  <a:xfrm flipV="1">
-                    <a:off x="4687215" y="1739180"/>
-                    <a:ext cx="91440" cy="91440"/>
-                  </a:xfrm>
-                  <a:prstGeom prst="line">
-                    <a:avLst/>
-                  </a:prstGeom>
-                  <a:ln w="28575">
-                    <a:solidFill>
-                      <a:srgbClr val="FFFFFF">
-                        <a:lumMod val="50000"/>
-                      </a:srgbClr>
-                    </a:solidFill>
-                  </a:ln>
-                </p:spPr>
-                <p:style>
-                  <a:lnRef idx="1">
-                    <a:srgbClr val="FFFFFF"/>
-                  </a:lnRef>
-                  <a:fillRef idx="0">
-                    <a:srgbClr val="FFFFFF"/>
-                  </a:fillRef>
-                  <a:effectRef idx="0">
-                    <a:srgbClr val="FFFFFF"/>
-                  </a:effectRef>
-                  <a:fontRef idx="minor">
-                    <a:srgbClr val="000000"/>
-                  </a:fontRef>
-                </p:style>
-              </p:cxnSp>
-              <p:cxnSp>
-                <p:nvCxnSpPr>
-                  <p:cNvPr id="20" name="Straight Connector 19"/>
-                  <p:cNvCxnSpPr/>
-                  <p:nvPr/>
-                </p:nvCxnSpPr>
-                <p:spPr>
-                  <a:xfrm>
-                    <a:off x="4687215" y="1739180"/>
-                    <a:ext cx="91440" cy="91440"/>
-                  </a:xfrm>
-                  <a:prstGeom prst="line">
-                    <a:avLst/>
-                  </a:prstGeom>
-                  <a:ln w="28575">
-                    <a:solidFill>
-                      <a:srgbClr val="FFFFFF">
-                        <a:lumMod val="50000"/>
-                      </a:srgbClr>
-                    </a:solidFill>
-                  </a:ln>
-                </p:spPr>
-                <p:style>
-                  <a:lnRef idx="1">
-                    <a:srgbClr val="FFFFFF"/>
-                  </a:lnRef>
-                  <a:fillRef idx="0">
-                    <a:srgbClr val="FFFFFF"/>
-                  </a:fillRef>
-                  <a:effectRef idx="0">
-                    <a:srgbClr val="FFFFFF"/>
-                  </a:effectRef>
-                  <a:fontRef idx="minor">
-                    <a:srgbClr val="000000"/>
-                  </a:fontRef>
-                </p:style>
-              </p:cxnSp>
-            </p:grpSp>
-          </p:grpSp>
-        </p:grpSp>
-      </p:grpSp>
-      <p:sp>
-        <p:nvSpPr>
-          <p:cNvPr id="35" name="Content"/>
-          <p:cNvSpPr/>
-          <p:nvPr>
-            <p:custDataLst>
-              <p:custData r:id="rId2"/>
-            </p:custDataLst>
-          </p:nvPr>
-        </p:nvSpPr>
-        <p:spPr>
-          <a:xfrm>
-            <a:off x="349569" y="801128"/>
-            <a:ext cx="11578517" cy="990191"/>
-          </a:xfrm>
-          <a:prstGeom prst="roundRect">
-            <a:avLst/>
-          </a:prstGeom>
-          <a:solidFill>
-            <a:srgbClr val="FFFFFF">
-              <a:lumMod val="95000"/>
-            </a:srgbClr>
-          </a:solidFill>
-          <a:ln w="3175">
-            <a:solidFill>
-              <a:srgbClr val="000000">
-                <a:lumMod val="50000"/>
-                <a:lumOff val="50000"/>
-              </a:srgbClr>
-            </a:solidFill>
-          </a:ln>
-          <a:effectLst/>
-        </p:spPr>
-        <p:style>
-          <a:lnRef idx="2">
-            <a:srgbClr val="4F81BD">
-              <a:shade val="50000"/>
-            </a:srgbClr>
-          </a:lnRef>
-          <a:fillRef idx="1">
-            <a:srgbClr val="4F81BD"/>
-          </a:fillRef>
-          <a:effectRef idx="0">
-            <a:srgbClr val="4F81BD"/>
-          </a:effectRef>
-          <a:fontRef idx="minor">
-            <a:srgbClr val="000000"/>
-          </a:fontRef>
-        </p:style>
-        <p:txBody>
-          <a:bodyPr wrap="square" lIns="91440" tIns="0" rIns="91440" bIns="9144" rtlCol="0" anchor="ctr">
-            <a:noAutofit/>
-          </a:bodyPr>
-          <a:lstStyle/>
-          <a:p>
-            <a:pPr algn="ctr"/>
-            <a:r>
-              <a:rPr lang="en-US" sz="4400" dirty="0" smtClean="0">
-                <a:solidFill>
-                  <a:srgbClr val="000000"/>
-                </a:solidFill>
-                <a:latin typeface="Segoe UI" pitchFamily="34" charset="0"/>
-                <a:cs typeface="Segoe UI" pitchFamily="34" charset="0"/>
-              </a:rPr>
-              <a:t>Music Store</a:t>
-            </a:r>
-            <a:endParaRPr lang="en-US" dirty="0">
-              <a:solidFill>
-                <a:srgbClr val="000000"/>
-              </a:solidFill>
-              <a:latin typeface="Segoe UI" pitchFamily="34" charset="0"/>
-              <a:cs typeface="Segoe UI" pitchFamily="34" charset="0"/>
-            </a:endParaRPr>
-          </a:p>
-        </p:txBody>
-      </p:sp>
-      <p:grpSp>
-        <p:nvGrpSpPr>
-          <p:cNvPr id="36" name="Image"/>
-          <p:cNvGrpSpPr/>
-          <p:nvPr>
-            <p:custDataLst>
-              <p:custData r:id="rId3"/>
-            </p:custDataLst>
-          </p:nvPr>
-        </p:nvGrpSpPr>
-        <p:grpSpPr>
-          <a:xfrm>
-            <a:off x="349569" y="2107878"/>
-            <a:ext cx="2974752" cy="2400147"/>
-            <a:chOff x="4037608" y="2896991"/>
-            <a:chExt cx="1059255" cy="1059255"/>
-          </a:xfrm>
-        </p:grpSpPr>
-        <p:sp>
-          <p:nvSpPr>
-            <p:cNvPr id="37" name="Rectangle 36"/>
-            <p:cNvSpPr/>
-            <p:nvPr/>
-          </p:nvSpPr>
-          <p:spPr>
-            <a:xfrm>
-              <a:off x="4037608" y="2896991"/>
-              <a:ext cx="1059255" cy="1059255"/>
-            </a:xfrm>
-            <a:prstGeom prst="rect">
-              <a:avLst/>
-            </a:prstGeom>
-            <a:solidFill>
-              <a:sysClr val="window" lastClr="FFFFFF"/>
-            </a:solidFill>
-            <a:ln w="3175" cap="flat" cmpd="sng" algn="ctr">
-              <a:solidFill>
-                <a:srgbClr val="FFFFFF">
-                  <a:lumMod val="50000"/>
-                </a:srgbClr>
-              </a:solidFill>
-              <a:prstDash val="solid"/>
-            </a:ln>
-            <a:effectLst/>
-          </p:spPr>
-          <p:txBody>
-            <a:bodyPr rot="0" spcFirstLastPara="0" vertOverflow="overflow" horzOverflow="overflow" vert="horz" wrap="square" lIns="45720" tIns="45720" rIns="91440" bIns="45720" numCol="1" spcCol="0" rtlCol="0" fromWordArt="0" anchor="ctr" anchorCtr="0" forceAA="0" compatLnSpc="1">
-              <a:prstTxWarp prst="textNoShape">
-                <a:avLst/>
-              </a:prstTxWarp>
-              <a:noAutofit/>
-            </a:bodyPr>
-            <a:lstStyle/>
-            <a:p>
-              <a:pPr marL="0" marR="0" indent="0" algn="ctr" defTabSz="914400" eaLnBrk="1" fontAlgn="auto" latinLnBrk="0" hangingPunct="1">
-                <a:lnSpc>
-                  <a:spcPct val="100000"/>
-                </a:lnSpc>
-                <a:spcBef>
-                  <a:spcPts val="0"/>
-                </a:spcBef>
-                <a:spcAft>
-                  <a:spcPts val="0"/>
-                </a:spcAft>
-                <a:buClrTx/>
-                <a:buSzTx/>
-                <a:buFontTx/>
-                <a:buNone/>
-                <a:tabLst/>
-              </a:pPr>
-              <a:endParaRPr kumimoji="0" lang="en-US" sz="800" b="0" i="0" u="none" strike="noStrike" kern="0" cap="none" spc="0" normalizeH="0" baseline="0" noProof="0" dirty="0" smtClean="0">
-                <a:ln>
-                  <a:noFill/>
-                </a:ln>
-                <a:solidFill>
-                  <a:srgbClr val="000000">
-                    <a:lumMod val="75000"/>
-                    <a:lumOff val="25000"/>
-                  </a:srgbClr>
-                </a:solidFill>
-                <a:effectLst/>
-                <a:uLnTx/>
-                <a:uFillTx/>
-                <a:latin typeface="Segoe UI"/>
-                <a:ea typeface="+mn-ea"/>
-                <a:cs typeface="+mn-cs"/>
-              </a:endParaRPr>
-            </a:p>
-          </p:txBody>
-        </p:sp>
-        <p:cxnSp>
-          <p:nvCxnSpPr>
-            <p:cNvPr id="38" name="Straight Connector 37"/>
-            <p:cNvCxnSpPr/>
-            <p:nvPr/>
-          </p:nvCxnSpPr>
-          <p:spPr>
-            <a:xfrm>
-              <a:off x="4037608" y="2896991"/>
-              <a:ext cx="1059255" cy="1059255"/>
-            </a:xfrm>
-            <a:prstGeom prst="line">
-              <a:avLst/>
-            </a:prstGeom>
-            <a:ln w="3175">
-              <a:solidFill>
-                <a:srgbClr val="FFFFFF">
-                  <a:lumMod val="50000"/>
-                </a:srgbClr>
-              </a:solidFill>
-            </a:ln>
-          </p:spPr>
-          <p:style>
-            <a:lnRef idx="1">
-              <a:srgbClr val="FFFFFF"/>
-            </a:lnRef>
-            <a:fillRef idx="0">
-              <a:srgbClr val="FFFFFF"/>
-            </a:fillRef>
-            <a:effectRef idx="0">
-              <a:srgbClr val="FFFFFF"/>
-            </a:effectRef>
-            <a:fontRef idx="minor">
-              <a:srgbClr val="000000"/>
-            </a:fontRef>
-          </p:style>
-        </p:cxnSp>
-        <p:cxnSp>
-          <p:nvCxnSpPr>
-            <p:cNvPr id="39" name="Straight Connector 38"/>
-            <p:cNvCxnSpPr/>
-            <p:nvPr/>
-          </p:nvCxnSpPr>
-          <p:spPr>
-            <a:xfrm flipV="1">
-              <a:off x="4037608" y="2896991"/>
-              <a:ext cx="1059255" cy="1059255"/>
-            </a:xfrm>
-            <a:prstGeom prst="line">
-              <a:avLst/>
-            </a:prstGeom>
-            <a:ln w="3175">
-              <a:solidFill>
-                <a:srgbClr val="FFFFFF">
-                  <a:lumMod val="50000"/>
-                </a:srgbClr>
-              </a:solidFill>
-            </a:ln>
-          </p:spPr>
-          <p:style>
-            <a:lnRef idx="1">
-              <a:srgbClr val="FFFFFF"/>
-            </a:lnRef>
-            <a:fillRef idx="0">
-              <a:srgbClr val="FFFFFF"/>
-            </a:fillRef>
-            <a:effectRef idx="0">
-              <a:srgbClr val="FFFFFF"/>
-            </a:effectRef>
-            <a:fontRef idx="minor">
-              <a:srgbClr val="000000"/>
-            </a:fontRef>
-          </p:style>
-        </p:cxnSp>
-      </p:grpSp>
-      <p:sp>
-        <p:nvSpPr>
-          <p:cNvPr id="40" name="Content"/>
-          <p:cNvSpPr/>
-          <p:nvPr>
-            <p:custDataLst>
-              <p:custData r:id="rId4"/>
-            </p:custDataLst>
-          </p:nvPr>
-        </p:nvSpPr>
-        <p:spPr>
-          <a:xfrm>
-            <a:off x="3572290" y="2107878"/>
-            <a:ext cx="8355796" cy="2400147"/>
-          </a:xfrm>
-          <a:prstGeom prst="roundRect">
-            <a:avLst/>
-          </a:prstGeom>
-          <a:solidFill>
-            <a:srgbClr val="FFFFFF">
-              <a:lumMod val="95000"/>
-            </a:srgbClr>
-          </a:solidFill>
-          <a:ln w="3175">
-            <a:solidFill>
-              <a:srgbClr val="000000">
-                <a:lumMod val="50000"/>
-                <a:lumOff val="50000"/>
-              </a:srgbClr>
-            </a:solidFill>
-          </a:ln>
-          <a:effectLst/>
-        </p:spPr>
-        <p:style>
-          <a:lnRef idx="2">
-            <a:srgbClr val="4F81BD">
-              <a:shade val="50000"/>
-            </a:srgbClr>
-          </a:lnRef>
-          <a:fillRef idx="1">
-            <a:srgbClr val="4F81BD"/>
-          </a:fillRef>
-          <a:effectRef idx="0">
-            <a:srgbClr val="4F81BD"/>
-          </a:effectRef>
-          <a:fontRef idx="minor">
-            <a:srgbClr val="000000"/>
-          </a:fontRef>
-        </p:style>
-        <p:txBody>
-          <a:bodyPr wrap="square" lIns="91440" tIns="0" rIns="91440" bIns="9144" rtlCol="0" anchor="ctr">
-            <a:noAutofit/>
-          </a:bodyPr>
-          <a:lstStyle/>
-          <a:p>
-            <a:pPr algn="ctr"/>
-            <a:r>
-              <a:rPr lang="en-US" sz="3200" dirty="0" smtClean="0">
-                <a:solidFill>
-                  <a:srgbClr val="000000"/>
-                </a:solidFill>
-                <a:latin typeface="Segoe UI" pitchFamily="34" charset="0"/>
-                <a:cs typeface="Segoe UI" pitchFamily="34" charset="0"/>
-              </a:rPr>
-              <a:t>Album Title</a:t>
-            </a:r>
-          </a:p>
-          <a:p>
-            <a:pPr algn="ctr"/>
-            <a:r>
-              <a:rPr lang="en-US" sz="3200" dirty="0" smtClean="0">
-                <a:latin typeface="Segoe UI" pitchFamily="34" charset="0"/>
-                <a:cs typeface="Segoe UI" pitchFamily="34" charset="0"/>
-              </a:rPr>
-              <a:t>Artist</a:t>
-            </a:r>
-          </a:p>
-          <a:p>
-            <a:pPr algn="ctr"/>
-            <a:endParaRPr lang="en-US" sz="1200" dirty="0" smtClean="0"/>
-          </a:p>
-          <a:p>
-            <a:r>
-              <a:rPr lang="en-US" sz="1200" dirty="0" smtClean="0"/>
-              <a:t>Lorem </a:t>
-            </a:r>
-            <a:r>
-              <a:rPr lang="en-US" sz="1200" dirty="0"/>
-              <a:t>ipsum dolor sit </a:t>
-            </a:r>
-            <a:r>
-              <a:rPr lang="en-US" sz="1200" dirty="0" err="1"/>
-              <a:t>amet</a:t>
-            </a:r>
-            <a:r>
-              <a:rPr lang="en-US" sz="1200" dirty="0"/>
-              <a:t>, </a:t>
-            </a:r>
-            <a:r>
-              <a:rPr lang="en-US" sz="1200" dirty="0" err="1"/>
-              <a:t>consectetur</a:t>
-            </a:r>
-            <a:r>
-              <a:rPr lang="en-US" sz="1200" dirty="0"/>
-              <a:t> </a:t>
-            </a:r>
-            <a:r>
-              <a:rPr lang="en-US" sz="1200" dirty="0" err="1"/>
-              <a:t>adipiscing</a:t>
-            </a:r>
-            <a:r>
-              <a:rPr lang="en-US" sz="1200" dirty="0"/>
-              <a:t> </a:t>
-            </a:r>
-            <a:r>
-              <a:rPr lang="en-US" sz="1200" dirty="0" err="1"/>
-              <a:t>elit</a:t>
-            </a:r>
-            <a:r>
-              <a:rPr lang="en-US" sz="1200" dirty="0"/>
-              <a:t>. </a:t>
-            </a:r>
-            <a:r>
-              <a:rPr lang="en-US" sz="1200" dirty="0" err="1"/>
-              <a:t>Mauris</a:t>
-            </a:r>
-            <a:r>
-              <a:rPr lang="en-US" sz="1200" dirty="0"/>
-              <a:t> </a:t>
-            </a:r>
-            <a:r>
-              <a:rPr lang="en-US" sz="1200" dirty="0" err="1"/>
-              <a:t>interdum</a:t>
-            </a:r>
-            <a:r>
-              <a:rPr lang="en-US" sz="1200" dirty="0"/>
-              <a:t> </a:t>
-            </a:r>
-            <a:r>
-              <a:rPr lang="en-US" sz="1200" dirty="0" err="1"/>
-              <a:t>lectus</a:t>
-            </a:r>
-            <a:r>
-              <a:rPr lang="en-US" sz="1200" dirty="0"/>
-              <a:t> </a:t>
-            </a:r>
-            <a:r>
-              <a:rPr lang="en-US" sz="1200" dirty="0" err="1"/>
-              <a:t>eu</a:t>
-            </a:r>
-            <a:r>
-              <a:rPr lang="en-US" sz="1200" dirty="0"/>
-              <a:t> dolor </a:t>
-            </a:r>
-            <a:r>
-              <a:rPr lang="en-US" sz="1200" dirty="0" err="1"/>
-              <a:t>venenatis</a:t>
-            </a:r>
-            <a:r>
-              <a:rPr lang="en-US" sz="1200" dirty="0"/>
-              <a:t> </a:t>
-            </a:r>
-            <a:r>
-              <a:rPr lang="en-US" sz="1200" dirty="0" err="1"/>
-              <a:t>rhoncus</a:t>
-            </a:r>
-            <a:r>
-              <a:rPr lang="en-US" sz="1200" dirty="0"/>
-              <a:t>. Integer </a:t>
-            </a:r>
-            <a:r>
-              <a:rPr lang="en-US" sz="1200" dirty="0" err="1"/>
-              <a:t>interdum</a:t>
-            </a:r>
-            <a:r>
-              <a:rPr lang="en-US" sz="1200" dirty="0"/>
-              <a:t> </a:t>
-            </a:r>
-            <a:r>
-              <a:rPr lang="en-US" sz="1200" dirty="0" err="1"/>
-              <a:t>arcu</a:t>
-            </a:r>
-            <a:r>
-              <a:rPr lang="en-US" sz="1200" dirty="0"/>
-              <a:t> id </a:t>
-            </a:r>
-            <a:r>
-              <a:rPr lang="en-US" sz="1200" dirty="0" err="1"/>
-              <a:t>leo</a:t>
-            </a:r>
-            <a:r>
-              <a:rPr lang="en-US" sz="1200" dirty="0"/>
-              <a:t> </a:t>
-            </a:r>
-            <a:r>
-              <a:rPr lang="en-US" sz="1200" dirty="0" err="1"/>
-              <a:t>blandit</a:t>
-            </a:r>
-            <a:r>
-              <a:rPr lang="en-US" sz="1200" dirty="0"/>
-              <a:t> </a:t>
-            </a:r>
-            <a:r>
-              <a:rPr lang="en-US" sz="1200" dirty="0" err="1"/>
-              <a:t>laoreet</a:t>
-            </a:r>
-            <a:r>
-              <a:rPr lang="en-US" sz="1200" dirty="0"/>
-              <a:t>. </a:t>
-            </a:r>
-            <a:r>
-              <a:rPr lang="en-US" sz="1200" dirty="0" err="1"/>
-              <a:t>Sed</a:t>
-            </a:r>
-            <a:r>
-              <a:rPr lang="en-US" sz="1200" dirty="0"/>
-              <a:t> </a:t>
-            </a:r>
-            <a:r>
-              <a:rPr lang="en-US" sz="1200" dirty="0" err="1"/>
-              <a:t>sed</a:t>
-            </a:r>
-            <a:r>
-              <a:rPr lang="en-US" sz="1200" dirty="0"/>
-              <a:t> </a:t>
-            </a:r>
-            <a:r>
-              <a:rPr lang="en-US" sz="1200" dirty="0" err="1"/>
-              <a:t>nulla</a:t>
-            </a:r>
-            <a:r>
-              <a:rPr lang="en-US" sz="1200" dirty="0"/>
-              <a:t> </a:t>
-            </a:r>
-            <a:r>
-              <a:rPr lang="en-US" sz="1200" dirty="0" err="1"/>
-              <a:t>vestibulum</a:t>
-            </a:r>
-            <a:r>
-              <a:rPr lang="en-US" sz="1200" dirty="0"/>
-              <a:t> </a:t>
-            </a:r>
-            <a:r>
-              <a:rPr lang="en-US" sz="1200" dirty="0" err="1"/>
-              <a:t>metus</a:t>
-            </a:r>
-            <a:r>
-              <a:rPr lang="en-US" sz="1200" dirty="0"/>
-              <a:t> </a:t>
-            </a:r>
-            <a:r>
-              <a:rPr lang="en-US" sz="1200" dirty="0" err="1"/>
-              <a:t>sollicitudin</a:t>
-            </a:r>
-            <a:r>
-              <a:rPr lang="en-US" sz="1200" dirty="0"/>
-              <a:t> dictum </a:t>
-            </a:r>
-            <a:r>
-              <a:rPr lang="en-US" sz="1200" dirty="0" err="1"/>
-              <a:t>rutrum</a:t>
-            </a:r>
-            <a:r>
-              <a:rPr lang="en-US" sz="1200" dirty="0"/>
-              <a:t> et </a:t>
-            </a:r>
-            <a:r>
-              <a:rPr lang="en-US" sz="1200" dirty="0" err="1"/>
-              <a:t>tortor</a:t>
-            </a:r>
-            <a:r>
-              <a:rPr lang="en-US" sz="1200" dirty="0"/>
-              <a:t>. </a:t>
-            </a:r>
-            <a:r>
-              <a:rPr lang="en-US" sz="1200" dirty="0" err="1"/>
-              <a:t>Duis</a:t>
-            </a:r>
-            <a:r>
-              <a:rPr lang="en-US" sz="1200" dirty="0"/>
-              <a:t> </a:t>
-            </a:r>
-            <a:r>
-              <a:rPr lang="en-US" sz="1200" dirty="0" err="1"/>
-              <a:t>nec</a:t>
-            </a:r>
-            <a:r>
-              <a:rPr lang="en-US" sz="1200" dirty="0"/>
-              <a:t> </a:t>
-            </a:r>
-            <a:r>
-              <a:rPr lang="en-US" sz="1200" dirty="0" err="1"/>
-              <a:t>urna</a:t>
-            </a:r>
-            <a:r>
-              <a:rPr lang="en-US" sz="1200" dirty="0"/>
-              <a:t> semper, </a:t>
-            </a:r>
-            <a:r>
-              <a:rPr lang="en-US" sz="1200" dirty="0" err="1"/>
-              <a:t>suscipit</a:t>
-            </a:r>
-            <a:r>
-              <a:rPr lang="en-US" sz="1200" dirty="0"/>
-              <a:t> </a:t>
-            </a:r>
-            <a:r>
-              <a:rPr lang="en-US" sz="1200" dirty="0" err="1"/>
-              <a:t>tellus</a:t>
-            </a:r>
-            <a:r>
-              <a:rPr lang="en-US" sz="1200" dirty="0"/>
-              <a:t> dictum, </a:t>
-            </a:r>
-            <a:r>
-              <a:rPr lang="en-US" sz="1200" dirty="0" err="1"/>
-              <a:t>blandit</a:t>
-            </a:r>
-            <a:r>
-              <a:rPr lang="en-US" sz="1200" dirty="0"/>
-              <a:t> </a:t>
-            </a:r>
-            <a:r>
-              <a:rPr lang="en-US" sz="1200" dirty="0" err="1"/>
-              <a:t>elit</a:t>
-            </a:r>
-            <a:r>
-              <a:rPr lang="en-US" sz="1200" dirty="0"/>
-              <a:t>. </a:t>
-            </a:r>
-            <a:r>
-              <a:rPr lang="en-US" sz="1200" dirty="0" err="1"/>
-              <a:t>Quisque</a:t>
-            </a:r>
-            <a:r>
-              <a:rPr lang="en-US" sz="1200" dirty="0"/>
-              <a:t> </a:t>
-            </a:r>
-            <a:r>
-              <a:rPr lang="en-US" sz="1200" dirty="0" err="1"/>
-              <a:t>nec</a:t>
-            </a:r>
-            <a:r>
-              <a:rPr lang="en-US" sz="1200" dirty="0"/>
-              <a:t> </a:t>
-            </a:r>
-            <a:r>
-              <a:rPr lang="en-US" sz="1200" dirty="0" err="1"/>
-              <a:t>nisl</a:t>
-            </a:r>
-            <a:r>
-              <a:rPr lang="en-US" sz="1200" dirty="0"/>
-              <a:t> dolor. </a:t>
-            </a:r>
-            <a:r>
-              <a:rPr lang="en-US" sz="1200" dirty="0" err="1"/>
-              <a:t>Aenean</a:t>
-            </a:r>
-            <a:r>
-              <a:rPr lang="en-US" sz="1200" dirty="0"/>
-              <a:t> </a:t>
-            </a:r>
-            <a:r>
-              <a:rPr lang="en-US" sz="1200" dirty="0" err="1"/>
-              <a:t>elit</a:t>
-            </a:r>
-            <a:r>
-              <a:rPr lang="en-US" sz="1200" dirty="0"/>
-              <a:t> </a:t>
-            </a:r>
-            <a:r>
-              <a:rPr lang="en-US" sz="1200" dirty="0" err="1"/>
-              <a:t>elit</a:t>
-            </a:r>
-            <a:r>
-              <a:rPr lang="en-US" sz="1200" dirty="0"/>
-              <a:t>, cursus vitae </a:t>
-            </a:r>
-            <a:r>
-              <a:rPr lang="en-US" sz="1200" dirty="0" err="1"/>
-              <a:t>mattis</a:t>
-            </a:r>
-            <a:r>
-              <a:rPr lang="en-US" sz="1200" dirty="0"/>
-              <a:t> </a:t>
-            </a:r>
-            <a:r>
-              <a:rPr lang="en-US" sz="1200" dirty="0" err="1"/>
-              <a:t>accumsan</a:t>
-            </a:r>
-            <a:r>
-              <a:rPr lang="en-US" sz="1200" dirty="0"/>
-              <a:t>, </a:t>
-            </a:r>
-            <a:r>
-              <a:rPr lang="en-US" sz="1200" dirty="0" err="1"/>
-              <a:t>ultricies</a:t>
-            </a:r>
-            <a:r>
-              <a:rPr lang="en-US" sz="1200" dirty="0"/>
-              <a:t> non </a:t>
-            </a:r>
-            <a:r>
-              <a:rPr lang="en-US" sz="1200" dirty="0" err="1"/>
-              <a:t>augue</a:t>
-            </a:r>
-            <a:r>
-              <a:rPr lang="en-US" sz="1200" dirty="0"/>
-              <a:t>. Cum </a:t>
-            </a:r>
-            <a:r>
-              <a:rPr lang="en-US" sz="1200" dirty="0" err="1"/>
-              <a:t>sociis</a:t>
-            </a:r>
-            <a:r>
-              <a:rPr lang="en-US" sz="1200" dirty="0"/>
-              <a:t> </a:t>
-            </a:r>
-            <a:r>
-              <a:rPr lang="en-US" sz="1200" dirty="0" err="1"/>
-              <a:t>natoque</a:t>
-            </a:r>
-            <a:r>
-              <a:rPr lang="en-US" sz="1200" dirty="0"/>
-              <a:t> </a:t>
-            </a:r>
-            <a:r>
-              <a:rPr lang="en-US" sz="1200" dirty="0" err="1"/>
-              <a:t>penatibus</a:t>
-            </a:r>
-            <a:r>
-              <a:rPr lang="en-US" sz="1200" dirty="0"/>
-              <a:t> et </a:t>
-            </a:r>
-            <a:r>
-              <a:rPr lang="en-US" sz="1200" dirty="0" err="1"/>
-              <a:t>magnis</a:t>
-            </a:r>
-            <a:r>
-              <a:rPr lang="en-US" sz="1200" dirty="0"/>
-              <a:t> dis parturient </a:t>
-            </a:r>
-            <a:r>
-              <a:rPr lang="en-US" sz="1200" dirty="0" err="1"/>
-              <a:t>montes</a:t>
-            </a:r>
-            <a:r>
-              <a:rPr lang="en-US" sz="1200" dirty="0"/>
-              <a:t>, </a:t>
-            </a:r>
-            <a:r>
-              <a:rPr lang="en-US" sz="1200" dirty="0" err="1"/>
-              <a:t>nascetur</a:t>
-            </a:r>
-            <a:r>
-              <a:rPr lang="en-US" sz="1200" dirty="0"/>
-              <a:t> </a:t>
-            </a:r>
-            <a:r>
-              <a:rPr lang="en-US" sz="1200" dirty="0" err="1"/>
-              <a:t>ridiculus</a:t>
-            </a:r>
-            <a:r>
-              <a:rPr lang="en-US" sz="1200" dirty="0"/>
-              <a:t> mus. </a:t>
-            </a:r>
-            <a:r>
-              <a:rPr lang="en-US" sz="1200" dirty="0" err="1"/>
-              <a:t>Donec</a:t>
-            </a:r>
-            <a:r>
-              <a:rPr lang="en-US" sz="1200" dirty="0"/>
-              <a:t> </a:t>
-            </a:r>
-            <a:r>
-              <a:rPr lang="en-US" sz="1200" dirty="0" err="1"/>
-              <a:t>elementum</a:t>
-            </a:r>
-            <a:r>
-              <a:rPr lang="en-US" sz="1200" dirty="0"/>
-              <a:t> quam non dolor </a:t>
-            </a:r>
-            <a:r>
-              <a:rPr lang="en-US" sz="1200" dirty="0" err="1"/>
-              <a:t>viverra</a:t>
-            </a:r>
-            <a:r>
-              <a:rPr lang="en-US" sz="1200" dirty="0"/>
-              <a:t> </a:t>
-            </a:r>
-            <a:r>
-              <a:rPr lang="en-US" sz="1200" dirty="0" err="1"/>
-              <a:t>elementum</a:t>
-            </a:r>
-            <a:r>
-              <a:rPr lang="en-US" sz="1200" dirty="0"/>
-              <a:t>. </a:t>
-            </a:r>
-            <a:r>
-              <a:rPr lang="en-US" sz="1200" dirty="0" err="1"/>
-              <a:t>Nullam</a:t>
-            </a:r>
-            <a:r>
-              <a:rPr lang="en-US" sz="1200" dirty="0"/>
-              <a:t> </a:t>
-            </a:r>
-            <a:r>
-              <a:rPr lang="en-US" sz="1200" dirty="0" err="1"/>
-              <a:t>eu</a:t>
-            </a:r>
-            <a:r>
-              <a:rPr lang="en-US" sz="1200" dirty="0"/>
-              <a:t> </a:t>
-            </a:r>
-            <a:r>
-              <a:rPr lang="en-US" sz="1200" dirty="0" err="1"/>
-              <a:t>vulputate</a:t>
-            </a:r>
-            <a:r>
-              <a:rPr lang="en-US" sz="1200" dirty="0"/>
-              <a:t> ante. </a:t>
-            </a:r>
-            <a:r>
-              <a:rPr lang="en-US" sz="1200" dirty="0" err="1"/>
-              <a:t>Sed</a:t>
-            </a:r>
-            <a:r>
-              <a:rPr lang="en-US" sz="1200" dirty="0"/>
-              <a:t> </a:t>
-            </a:r>
-            <a:r>
-              <a:rPr lang="en-US" sz="1200" dirty="0" err="1"/>
-              <a:t>ut</a:t>
-            </a:r>
-            <a:r>
-              <a:rPr lang="en-US" sz="1200" dirty="0"/>
-              <a:t> </a:t>
-            </a:r>
-            <a:r>
-              <a:rPr lang="en-US" sz="1200" dirty="0" err="1"/>
-              <a:t>nibh</a:t>
-            </a:r>
-            <a:r>
-              <a:rPr lang="en-US" sz="1200" dirty="0"/>
-              <a:t> id </a:t>
-            </a:r>
-            <a:r>
-              <a:rPr lang="en-US" sz="1200" dirty="0" err="1"/>
-              <a:t>orci</a:t>
-            </a:r>
-            <a:r>
-              <a:rPr lang="en-US" sz="1200" dirty="0"/>
-              <a:t> </a:t>
-            </a:r>
-            <a:r>
-              <a:rPr lang="en-US" sz="1200" dirty="0" err="1"/>
-              <a:t>rhoncus</a:t>
-            </a:r>
-            <a:r>
-              <a:rPr lang="en-US" sz="1200" dirty="0"/>
-              <a:t> </a:t>
-            </a:r>
-            <a:r>
-              <a:rPr lang="en-US" sz="1200" dirty="0" err="1"/>
-              <a:t>ultricies</a:t>
-            </a:r>
-            <a:r>
-              <a:rPr lang="en-US" sz="1200" dirty="0"/>
-              <a:t>. </a:t>
-            </a:r>
-            <a:r>
-              <a:rPr lang="en-US" sz="1200" dirty="0" err="1"/>
-              <a:t>Nulla</a:t>
-            </a:r>
-            <a:r>
-              <a:rPr lang="en-US" sz="1200" dirty="0"/>
-              <a:t> at </a:t>
-            </a:r>
-            <a:r>
-              <a:rPr lang="en-US" sz="1200" dirty="0" err="1"/>
-              <a:t>sapien</a:t>
-            </a:r>
-            <a:r>
-              <a:rPr lang="en-US" sz="1200" dirty="0"/>
-              <a:t> </a:t>
-            </a:r>
-            <a:r>
-              <a:rPr lang="en-US" sz="1200" dirty="0" err="1"/>
-              <a:t>urna</a:t>
-            </a:r>
-            <a:r>
-              <a:rPr lang="en-US" sz="1200" dirty="0"/>
-              <a:t>. </a:t>
-            </a:r>
-            <a:endParaRPr lang="en-US" sz="1200" dirty="0">
-              <a:solidFill>
-                <a:srgbClr val="000000"/>
-              </a:solidFill>
-              <a:latin typeface="Segoe UI" pitchFamily="34" charset="0"/>
-              <a:cs typeface="Segoe UI" pitchFamily="34" charset="0"/>
-            </a:endParaRPr>
-          </a:p>
-        </p:txBody>
-      </p:sp>
-      <p:sp>
-        <p:nvSpPr>
-          <p:cNvPr id="41" name="Up Arrow Callout 40"/>
-          <p:cNvSpPr/>
-          <p:nvPr/>
-        </p:nvSpPr>
-        <p:spPr>
-          <a:xfrm>
-            <a:off x="707104" y="4723462"/>
-            <a:ext cx="2259681" cy="1050698"/>
-          </a:xfrm>
-          <a:prstGeom prst="upArrowCallout">
-            <a:avLst/>
-          </a:prstGeom>
-        </p:spPr>
-        <p:style>
-          <a:lnRef idx="2">
-            <a:schemeClr val="accent4">
-              <a:shade val="50000"/>
-            </a:schemeClr>
-          </a:lnRef>
-          <a:fillRef idx="1">
-            <a:schemeClr val="accent4"/>
-          </a:fillRef>
-          <a:effectRef idx="0">
-            <a:schemeClr val="accent4"/>
-          </a:effectRef>
-          <a:fontRef idx="minor">
-            <a:schemeClr val="lt1"/>
-          </a:fontRef>
-        </p:style>
-        <p:txBody>
-          <a:bodyPr rtlCol="0" anchor="ctr"/>
-          <a:lstStyle/>
-          <a:p>
-            <a:pPr algn="ctr"/>
-            <a:r>
-              <a:rPr lang="en-US" dirty="0" smtClean="0"/>
-              <a:t>Album cover art image goes here</a:t>
-            </a:r>
-            <a:endParaRPr lang="en-US" dirty="0"/>
-          </a:p>
-        </p:txBody>
-      </p:sp>
-      <p:sp>
-        <p:nvSpPr>
-          <p:cNvPr id="42" name="Rounded Rectangle 41"/>
-          <p:cNvSpPr/>
-          <p:nvPr/>
-        </p:nvSpPr>
-        <p:spPr>
-          <a:xfrm>
-            <a:off x="7365961" y="5967046"/>
-            <a:ext cx="4629011" cy="657462"/>
-          </a:xfrm>
-          <a:prstGeom prst="roundRect">
-            <a:avLst/>
-          </a:prstGeom>
-        </p:spPr>
-        <p:style>
-          <a:lnRef idx="2">
-            <a:schemeClr val="accent4">
-              <a:shade val="50000"/>
-            </a:schemeClr>
-          </a:lnRef>
-          <a:fillRef idx="1">
-            <a:schemeClr val="accent4"/>
-          </a:fillRef>
-          <a:effectRef idx="0">
-            <a:schemeClr val="accent4"/>
-          </a:effectRef>
-          <a:fontRef idx="minor">
-            <a:schemeClr val="lt1"/>
-          </a:fontRef>
-        </p:style>
-        <p:txBody>
-          <a:bodyPr rtlCol="0" anchor="ctr"/>
-          <a:lstStyle/>
-          <a:p>
-            <a:pPr algn="ctr"/>
-            <a:r>
-              <a:rPr lang="en-US" dirty="0" smtClean="0"/>
-              <a:t>Use this layout for medium and large screens</a:t>
-            </a:r>
-            <a:endParaRPr lang="en-US" dirty="0"/>
-          </a:p>
-        </p:txBody>
-      </p:sp>
-    </p:spTree>
-    <p:extLst>
-      <p:ext uri="{BB962C8B-B14F-4D97-AF65-F5344CB8AC3E}">
-        <p14:creationId xmlns:p14="http://schemas.microsoft.com/office/powerpoint/2010/main" val="3786226494"/>
-      </p:ext>
-    </p:extLst>
-  </p:cSld>
-  <p:clrMapOvr>
-    <a:masterClrMapping/>
-  </p:clrMapOvr>
-  <p:timing>
-    <p:tnLst>
-      <p:par>
-        <p:cTn id="1" dur="indefinite" restart="never" nodeType="tmRoot"/>
-      </p:par>
-    </p:tnLst>
-  </p:timing>
-</p:sld>
-</file>
-
 <file path=ppt/theme/theme1.xml><?xml version="1.0" encoding="utf-8"?>
 <a:theme xmlns:a="http://schemas.openxmlformats.org/drawingml/2006/main" name="Office Theme">
   <a:themeElements>
@@ -7401,30 +5489,6 @@
 </Control>
 </file>
 
-<file path=customXml/item5.xml><?xml version="1.0" encoding="utf-8"?>
-<Control xmlns="http://schemas.microsoft.com/VisualStudio/2011/storyboarding/control">
-  <Id Name="System.Storyboarding.Backgrounds.WebBrowser" Revision="1" Stencil="System.Storyboarding.Backgrounds" StencilVersion="0.1"/>
-</Control>
-</file>
-
-<file path=customXml/item6.xml><?xml version="1.0" encoding="utf-8"?>
-<Control xmlns="http://schemas.microsoft.com/VisualStudio/2011/storyboarding/control">
-  <Id Name="System.Storyboarding.Common.Button" Revision="1" Stencil="System.Storyboarding.Common" StencilVersion="0.1"/>
-</Control>
-</file>
-
-<file path=customXml/item7.xml><?xml version="1.0" encoding="utf-8"?>
-<Control xmlns="http://schemas.microsoft.com/VisualStudio/2011/storyboarding/control">
-  <Id Name="System.Storyboarding.Media.Image" Revision="1" Stencil="System.Storyboarding.Media" StencilVersion="0.1"/>
-</Control>
-</file>
-
-<file path=customXml/item8.xml><?xml version="1.0" encoding="utf-8"?>
-<Control xmlns="http://schemas.microsoft.com/VisualStudio/2011/storyboarding/control">
-  <Id Name="System.Storyboarding.Common.Button" Revision="1" Stencil="System.Storyboarding.Common" StencilVersion="0.1"/>
-</Control>
-</file>
-
 <file path=customXml/itemProps1.xml><?xml version="1.0" encoding="utf-8"?>
 <ds:datastoreItem xmlns:ds="http://schemas.openxmlformats.org/officeDocument/2006/customXml" ds:itemID="{DC858270-6D90-4A74-A6C8-F6A95A91452F}">
   <ds:schemaRefs>
@@ -7434,7 +5498,7 @@
 </file>
 
 <file path=customXml/itemProps2.xml><?xml version="1.0" encoding="utf-8"?>
-<ds:datastoreItem xmlns:ds="http://schemas.openxmlformats.org/officeDocument/2006/customXml" ds:itemID="{FA72A7FD-4ABC-4136-922D-2B67CA0630D6}">
+<ds:datastoreItem xmlns:ds="http://schemas.openxmlformats.org/officeDocument/2006/customXml" ds:itemID="{ABE028E3-A980-42B0-8DCD-181F058EAAF2}">
   <ds:schemaRefs>
     <ds:schemaRef ds:uri="http://schemas.microsoft.com/VisualStudio/2011/storyboarding/control"/>
   </ds:schemaRefs>
@@ -7450,39 +5514,7 @@
 </file>
 
 <file path=customXml/itemProps4.xml><?xml version="1.0" encoding="utf-8"?>
-<ds:datastoreItem xmlns:ds="http://schemas.openxmlformats.org/officeDocument/2006/customXml" ds:itemID="{ABE028E3-A980-42B0-8DCD-181F058EAAF2}">
-  <ds:schemaRefs>
-    <ds:schemaRef ds:uri="http://schemas.microsoft.com/VisualStudio/2011/storyboarding/control"/>
-  </ds:schemaRefs>
-</ds:datastoreItem>
-</file>
-
-<file path=customXml/itemProps5.xml><?xml version="1.0" encoding="utf-8"?>
-<ds:datastoreItem xmlns:ds="http://schemas.openxmlformats.org/officeDocument/2006/customXml" ds:itemID="{8665FB95-A728-4308-A43F-A015868E86F4}">
-  <ds:schemaRefs>
-    <ds:schemaRef ds:uri="http://schemas.microsoft.com/VisualStudio/2011/storyboarding/control"/>
-  </ds:schemaRefs>
-</ds:datastoreItem>
-</file>
-
-<file path=customXml/itemProps6.xml><?xml version="1.0" encoding="utf-8"?>
-<ds:datastoreItem xmlns:ds="http://schemas.openxmlformats.org/officeDocument/2006/customXml" ds:itemID="{5E0FBC43-2EDC-42C2-8353-83B88A98F1C9}">
-  <ds:schemaRefs>
-    <ds:schemaRef ds:uri="http://schemas.microsoft.com/VisualStudio/2011/storyboarding/control"/>
-  </ds:schemaRefs>
-</ds:datastoreItem>
-</file>
-
-<file path=customXml/itemProps7.xml><?xml version="1.0" encoding="utf-8"?>
-<ds:datastoreItem xmlns:ds="http://schemas.openxmlformats.org/officeDocument/2006/customXml" ds:itemID="{B958ADFF-9CC6-4029-8F6C-2C55ADB59DA0}">
-  <ds:schemaRefs>
-    <ds:schemaRef ds:uri="http://schemas.microsoft.com/VisualStudio/2011/storyboarding/control"/>
-  </ds:schemaRefs>
-</ds:datastoreItem>
-</file>
-
-<file path=customXml/itemProps8.xml><?xml version="1.0" encoding="utf-8"?>
-<ds:datastoreItem xmlns:ds="http://schemas.openxmlformats.org/officeDocument/2006/customXml" ds:itemID="{6D64169F-2026-447D-8523-F3B3BA2D2D78}">
+<ds:datastoreItem xmlns:ds="http://schemas.openxmlformats.org/officeDocument/2006/customXml" ds:itemID="{FA72A7FD-4ABC-4136-922D-2B67CA0630D6}">
   <ds:schemaRefs>
     <ds:schemaRef ds:uri="http://schemas.microsoft.com/VisualStudio/2011/storyboarding/control"/>
   </ds:schemaRefs>
